--- a/그리디/스터디/11_04_일.pptx
+++ b/그리디/스터디/11_04_일.pptx
@@ -104,6 +104,11 @@
       </a:defRPr>
     </a:lvl9pPr>
   </p:defaultTextStyle>
+  <p:extLst>
+    <p:ext uri="{EFAFB233-063F-42B5-8137-9DF3F51BA10A}">
+      <p15:sldGuideLst xmlns:p15="http://schemas.microsoft.com/office/powerpoint/2012/main"/>
+    </p:ext>
+  </p:extLst>
 </p:presentation>
 </file>
 
@@ -117,6 +122,38 @@
 
 <file path=ppt/changesInfos/changesInfo1.xml><?xml version="1.0" encoding="utf-8"?>
 <pc:chgInfo xmlns:a="http://schemas.openxmlformats.org/drawingml/2006/main" xmlns:r="http://schemas.openxmlformats.org/officeDocument/2006/relationships" xmlns:ac="http://schemas.microsoft.com/office/drawing/2013/main/command" xmlns:pc="http://schemas.microsoft.com/office/powerpoint/2013/main/command">
+  <pc:docChgLst>
+    <pc:chgData name="JuYoung Song" userId="2ab62cc5c92b8695" providerId="LiveId" clId="{4C8EB793-91DD-450C-BEB3-BD5AAFD6B694}"/>
+    <pc:docChg chg="custSel modSld">
+      <pc:chgData name="JuYoung Song" userId="2ab62cc5c92b8695" providerId="LiveId" clId="{4C8EB793-91DD-450C-BEB3-BD5AAFD6B694}" dt="2023-11-05T05:35:57.136" v="1" actId="478"/>
+      <pc:docMkLst>
+        <pc:docMk/>
+      </pc:docMkLst>
+      <pc:sldChg chg="delSp mod">
+        <pc:chgData name="JuYoung Song" userId="2ab62cc5c92b8695" providerId="LiveId" clId="{4C8EB793-91DD-450C-BEB3-BD5AAFD6B694}" dt="2023-11-05T05:35:57.136" v="1" actId="478"/>
+        <pc:sldMkLst>
+          <pc:docMk/>
+          <pc:sldMk cId="3791272243" sldId="256"/>
+        </pc:sldMkLst>
+        <pc:picChg chg="del">
+          <ac:chgData name="JuYoung Song" userId="2ab62cc5c92b8695" providerId="LiveId" clId="{4C8EB793-91DD-450C-BEB3-BD5AAFD6B694}" dt="2023-11-05T05:35:54.890" v="0" actId="478"/>
+          <ac:picMkLst>
+            <pc:docMk/>
+            <pc:sldMk cId="3791272243" sldId="256"/>
+            <ac:picMk id="5" creationId="{8F097350-B24E-0349-8973-21532C2C7DE7}"/>
+          </ac:picMkLst>
+        </pc:picChg>
+        <pc:picChg chg="del">
+          <ac:chgData name="JuYoung Song" userId="2ab62cc5c92b8695" providerId="LiveId" clId="{4C8EB793-91DD-450C-BEB3-BD5AAFD6B694}" dt="2023-11-05T05:35:57.136" v="1" actId="478"/>
+          <ac:picMkLst>
+            <pc:docMk/>
+            <pc:sldMk cId="3791272243" sldId="256"/>
+            <ac:picMk id="6" creationId="{F5DA60D4-53AF-B05C-F367-94902E1260B1}"/>
+          </ac:picMkLst>
+        </pc:picChg>
+      </pc:sldChg>
+    </pc:docChg>
+  </pc:docChgLst>
   <pc:docChgLst>
     <pc:chgData name="Song JuYoung" userId="2ab62cc5c92b8695" providerId="LiveId" clId="{4C8EB793-91DD-450C-BEB3-BD5AAFD6B694}"/>
     <pc:docChg chg="custSel addSld modSld">
@@ -299,7 +336,7 @@
           <a:p>
             <a:fld id="{D018BFBD-3010-4D43-B6EA-475E9EABF7E4}" type="datetimeFigureOut">
               <a:rPr lang="ko-KR" altLang="en-US" smtClean="0"/>
-              <a:t>2023-11-04</a:t>
+              <a:t>2023-11-05</a:t>
             </a:fld>
             <a:endParaRPr lang="ko-KR" altLang="en-US"/>
           </a:p>
@@ -469,7 +506,7 @@
           <a:p>
             <a:fld id="{D018BFBD-3010-4D43-B6EA-475E9EABF7E4}" type="datetimeFigureOut">
               <a:rPr lang="ko-KR" altLang="en-US" smtClean="0"/>
-              <a:t>2023-11-04</a:t>
+              <a:t>2023-11-05</a:t>
             </a:fld>
             <a:endParaRPr lang="ko-KR" altLang="en-US"/>
           </a:p>
@@ -649,7 +686,7 @@
           <a:p>
             <a:fld id="{D018BFBD-3010-4D43-B6EA-475E9EABF7E4}" type="datetimeFigureOut">
               <a:rPr lang="ko-KR" altLang="en-US" smtClean="0"/>
-              <a:t>2023-11-04</a:t>
+              <a:t>2023-11-05</a:t>
             </a:fld>
             <a:endParaRPr lang="ko-KR" altLang="en-US"/>
           </a:p>
@@ -819,7 +856,7 @@
           <a:p>
             <a:fld id="{D018BFBD-3010-4D43-B6EA-475E9EABF7E4}" type="datetimeFigureOut">
               <a:rPr lang="ko-KR" altLang="en-US" smtClean="0"/>
-              <a:t>2023-11-04</a:t>
+              <a:t>2023-11-05</a:t>
             </a:fld>
             <a:endParaRPr lang="ko-KR" altLang="en-US"/>
           </a:p>
@@ -1063,7 +1100,7 @@
           <a:p>
             <a:fld id="{D018BFBD-3010-4D43-B6EA-475E9EABF7E4}" type="datetimeFigureOut">
               <a:rPr lang="ko-KR" altLang="en-US" smtClean="0"/>
-              <a:t>2023-11-04</a:t>
+              <a:t>2023-11-05</a:t>
             </a:fld>
             <a:endParaRPr lang="ko-KR" altLang="en-US"/>
           </a:p>
@@ -1295,7 +1332,7 @@
           <a:p>
             <a:fld id="{D018BFBD-3010-4D43-B6EA-475E9EABF7E4}" type="datetimeFigureOut">
               <a:rPr lang="ko-KR" altLang="en-US" smtClean="0"/>
-              <a:t>2023-11-04</a:t>
+              <a:t>2023-11-05</a:t>
             </a:fld>
             <a:endParaRPr lang="ko-KR" altLang="en-US"/>
           </a:p>
@@ -1662,7 +1699,7 @@
           <a:p>
             <a:fld id="{D018BFBD-3010-4D43-B6EA-475E9EABF7E4}" type="datetimeFigureOut">
               <a:rPr lang="ko-KR" altLang="en-US" smtClean="0"/>
-              <a:t>2023-11-04</a:t>
+              <a:t>2023-11-05</a:t>
             </a:fld>
             <a:endParaRPr lang="ko-KR" altLang="en-US"/>
           </a:p>
@@ -1780,7 +1817,7 @@
           <a:p>
             <a:fld id="{D018BFBD-3010-4D43-B6EA-475E9EABF7E4}" type="datetimeFigureOut">
               <a:rPr lang="ko-KR" altLang="en-US" smtClean="0"/>
-              <a:t>2023-11-04</a:t>
+              <a:t>2023-11-05</a:t>
             </a:fld>
             <a:endParaRPr lang="ko-KR" altLang="en-US"/>
           </a:p>
@@ -1875,7 +1912,7 @@
           <a:p>
             <a:fld id="{D018BFBD-3010-4D43-B6EA-475E9EABF7E4}" type="datetimeFigureOut">
               <a:rPr lang="ko-KR" altLang="en-US" smtClean="0"/>
-              <a:t>2023-11-04</a:t>
+              <a:t>2023-11-05</a:t>
             </a:fld>
             <a:endParaRPr lang="ko-KR" altLang="en-US"/>
           </a:p>
@@ -2152,7 +2189,7 @@
           <a:p>
             <a:fld id="{D018BFBD-3010-4D43-B6EA-475E9EABF7E4}" type="datetimeFigureOut">
               <a:rPr lang="ko-KR" altLang="en-US" smtClean="0"/>
-              <a:t>2023-11-04</a:t>
+              <a:t>2023-11-05</a:t>
             </a:fld>
             <a:endParaRPr lang="ko-KR" altLang="en-US"/>
           </a:p>
@@ -2409,7 +2446,7 @@
           <a:p>
             <a:fld id="{D018BFBD-3010-4D43-B6EA-475E9EABF7E4}" type="datetimeFigureOut">
               <a:rPr lang="ko-KR" altLang="en-US" smtClean="0"/>
-              <a:t>2023-11-04</a:t>
+              <a:t>2023-11-05</a:t>
             </a:fld>
             <a:endParaRPr lang="ko-KR" altLang="en-US"/>
           </a:p>
@@ -2622,7 +2659,7 @@
           <a:p>
             <a:fld id="{D018BFBD-3010-4D43-B6EA-475E9EABF7E4}" type="datetimeFigureOut">
               <a:rPr lang="ko-KR" altLang="en-US" smtClean="0"/>
-              <a:t>2023-11-04</a:t>
+              <a:t>2023-11-05</a:t>
             </a:fld>
             <a:endParaRPr lang="ko-KR" altLang="en-US"/>
           </a:p>
@@ -3027,64 +3064,6 @@
           <a:chExt cx="0" cy="0"/>
         </a:xfrm>
       </p:grpSpPr>
-      <p:pic>
-        <p:nvPicPr>
-          <p:cNvPr id="5" name="그림 4">
-            <a:extLst>
-              <a:ext uri="{FF2B5EF4-FFF2-40B4-BE49-F238E27FC236}">
-                <a16:creationId xmlns:a16="http://schemas.microsoft.com/office/drawing/2014/main" id="{8F097350-B24E-0349-8973-21532C2C7DE7}"/>
-              </a:ext>
-            </a:extLst>
-          </p:cNvPr>
-          <p:cNvPicPr>
-            <a:picLocks noChangeAspect="1"/>
-          </p:cNvPicPr>
-          <p:nvPr/>
-        </p:nvPicPr>
-        <p:blipFill rotWithShape="1">
-          <a:blip r:embed="rId2"/>
-          <a:srcRect b="19574"/>
-          <a:stretch/>
-        </p:blipFill>
-        <p:spPr>
-          <a:xfrm>
-            <a:off x="0" y="0"/>
-            <a:ext cx="6858000" cy="5591843"/>
-          </a:xfrm>
-          <a:prstGeom prst="rect">
-            <a:avLst/>
-          </a:prstGeom>
-        </p:spPr>
-      </p:pic>
-      <p:pic>
-        <p:nvPicPr>
-          <p:cNvPr id="6" name="그림 5">
-            <a:extLst>
-              <a:ext uri="{FF2B5EF4-FFF2-40B4-BE49-F238E27FC236}">
-                <a16:creationId xmlns:a16="http://schemas.microsoft.com/office/drawing/2014/main" id="{F5DA60D4-53AF-B05C-F367-94902E1260B1}"/>
-              </a:ext>
-            </a:extLst>
-          </p:cNvPr>
-          <p:cNvPicPr>
-            <a:picLocks noChangeAspect="1"/>
-          </p:cNvPicPr>
-          <p:nvPr/>
-        </p:nvPicPr>
-        <p:blipFill rotWithShape="1">
-          <a:blip r:embed="rId2"/>
-          <a:srcRect t="81783" r="45927"/>
-          <a:stretch/>
-        </p:blipFill>
-        <p:spPr>
-          <a:xfrm>
-            <a:off x="1332774" y="3835615"/>
-            <a:ext cx="3708400" cy="1266586"/>
-          </a:xfrm>
-          <a:prstGeom prst="rect">
-            <a:avLst/>
-          </a:prstGeom>
-        </p:spPr>
-      </p:pic>
     </p:spTree>
     <p:extLst>
       <p:ext uri="{BB962C8B-B14F-4D97-AF65-F5344CB8AC3E}">
